--- a/Swaroop S.pptx
+++ b/Swaroop S.pptx
@@ -112,6 +112,35 @@
 </p:presentation>
 </file>
 
+<file path=ppt/changesInfos/changesInfo1.xml><?xml version="1.0" encoding="utf-8"?>
+<pc:chgInfo xmlns:a="http://schemas.openxmlformats.org/drawingml/2006/main" xmlns:r="http://schemas.openxmlformats.org/officeDocument/2006/relationships" xmlns:ac="http://schemas.microsoft.com/office/drawing/2013/main/command" xmlns:pc="http://schemas.microsoft.com/office/powerpoint/2013/main/command">
+  <pc:docChgLst>
+    <pc:chgData name="S, Swaroop" userId="824ff9ce-a8aa-4de4-b858-69625075887b" providerId="ADAL" clId="{1BE4BE5C-55CC-416B-A7FF-BCA040019783}"/>
+    <pc:docChg chg="modSld">
+      <pc:chgData name="S, Swaroop" userId="824ff9ce-a8aa-4de4-b858-69625075887b" providerId="ADAL" clId="{1BE4BE5C-55CC-416B-A7FF-BCA040019783}" dt="2022-09-09T09:54:02.632" v="121" actId="113"/>
+      <pc:docMkLst>
+        <pc:docMk/>
+      </pc:docMkLst>
+      <pc:sldChg chg="modSp mod">
+        <pc:chgData name="S, Swaroop" userId="824ff9ce-a8aa-4de4-b858-69625075887b" providerId="ADAL" clId="{1BE4BE5C-55CC-416B-A7FF-BCA040019783}" dt="2022-09-09T09:54:02.632" v="121" actId="113"/>
+        <pc:sldMkLst>
+          <pc:docMk/>
+          <pc:sldMk cId="420367286" sldId="256"/>
+        </pc:sldMkLst>
+        <pc:graphicFrameChg chg="modGraphic">
+          <ac:chgData name="S, Swaroop" userId="824ff9ce-a8aa-4de4-b858-69625075887b" providerId="ADAL" clId="{1BE4BE5C-55CC-416B-A7FF-BCA040019783}" dt="2022-09-09T09:54:02.632" v="121" actId="113"/>
+          <ac:graphicFrameMkLst>
+            <pc:docMk/>
+            <pc:sldMk cId="420367286" sldId="256"/>
+            <ac:graphicFrameMk id="18" creationId="{00000000-0000-0000-0000-000000000000}"/>
+          </ac:graphicFrameMkLst>
+        </pc:graphicFrameChg>
+      </pc:sldChg>
+    </pc:docChg>
+  </pc:docChgLst>
+</pc:chgInfo>
+</file>
+
 <file path=ppt/slideLayouts/slideLayout1.xml><?xml version="1.0" encoding="utf-8"?>
 <p:sldLayout xmlns:a="http://schemas.openxmlformats.org/drawingml/2006/main" xmlns:r="http://schemas.openxmlformats.org/officeDocument/2006/relationships" xmlns:p="http://schemas.openxmlformats.org/presentationml/2006/main" type="title" preserve="1">
   <p:cSld name="Title Slide">
@@ -243,7 +272,7 @@
           <a:p>
             <a:fld id="{FA8172F9-03B8-457B-A2E7-B715553F6051}" type="datetimeFigureOut">
               <a:rPr lang="en-IN" smtClean="0"/>
-              <a:t>25-07-2022</a:t>
+              <a:t>09-09-2022</a:t>
             </a:fld>
             <a:endParaRPr lang="en-IN"/>
           </a:p>
@@ -413,7 +442,7 @@
           <a:p>
             <a:fld id="{FA8172F9-03B8-457B-A2E7-B715553F6051}" type="datetimeFigureOut">
               <a:rPr lang="en-IN" smtClean="0"/>
-              <a:t>25-07-2022</a:t>
+              <a:t>09-09-2022</a:t>
             </a:fld>
             <a:endParaRPr lang="en-IN"/>
           </a:p>
@@ -593,7 +622,7 @@
           <a:p>
             <a:fld id="{FA8172F9-03B8-457B-A2E7-B715553F6051}" type="datetimeFigureOut">
               <a:rPr lang="en-IN" smtClean="0"/>
-              <a:t>25-07-2022</a:t>
+              <a:t>09-09-2022</a:t>
             </a:fld>
             <a:endParaRPr lang="en-IN"/>
           </a:p>
@@ -763,7 +792,7 @@
           <a:p>
             <a:fld id="{FA8172F9-03B8-457B-A2E7-B715553F6051}" type="datetimeFigureOut">
               <a:rPr lang="en-IN" smtClean="0"/>
-              <a:t>25-07-2022</a:t>
+              <a:t>09-09-2022</a:t>
             </a:fld>
             <a:endParaRPr lang="en-IN"/>
           </a:p>
@@ -1009,7 +1038,7 @@
           <a:p>
             <a:fld id="{FA8172F9-03B8-457B-A2E7-B715553F6051}" type="datetimeFigureOut">
               <a:rPr lang="en-IN" smtClean="0"/>
-              <a:t>25-07-2022</a:t>
+              <a:t>09-09-2022</a:t>
             </a:fld>
             <a:endParaRPr lang="en-IN"/>
           </a:p>
@@ -1241,7 +1270,7 @@
           <a:p>
             <a:fld id="{FA8172F9-03B8-457B-A2E7-B715553F6051}" type="datetimeFigureOut">
               <a:rPr lang="en-IN" smtClean="0"/>
-              <a:t>25-07-2022</a:t>
+              <a:t>09-09-2022</a:t>
             </a:fld>
             <a:endParaRPr lang="en-IN"/>
           </a:p>
@@ -1608,7 +1637,7 @@
           <a:p>
             <a:fld id="{FA8172F9-03B8-457B-A2E7-B715553F6051}" type="datetimeFigureOut">
               <a:rPr lang="en-IN" smtClean="0"/>
-              <a:t>25-07-2022</a:t>
+              <a:t>09-09-2022</a:t>
             </a:fld>
             <a:endParaRPr lang="en-IN"/>
           </a:p>
@@ -1726,7 +1755,7 @@
           <a:p>
             <a:fld id="{FA8172F9-03B8-457B-A2E7-B715553F6051}" type="datetimeFigureOut">
               <a:rPr lang="en-IN" smtClean="0"/>
-              <a:t>25-07-2022</a:t>
+              <a:t>09-09-2022</a:t>
             </a:fld>
             <a:endParaRPr lang="en-IN"/>
           </a:p>
@@ -1821,7 +1850,7 @@
           <a:p>
             <a:fld id="{FA8172F9-03B8-457B-A2E7-B715553F6051}" type="datetimeFigureOut">
               <a:rPr lang="en-IN" smtClean="0"/>
-              <a:t>25-07-2022</a:t>
+              <a:t>09-09-2022</a:t>
             </a:fld>
             <a:endParaRPr lang="en-IN"/>
           </a:p>
@@ -2098,7 +2127,7 @@
           <a:p>
             <a:fld id="{FA8172F9-03B8-457B-A2E7-B715553F6051}" type="datetimeFigureOut">
               <a:rPr lang="en-IN" smtClean="0"/>
-              <a:t>25-07-2022</a:t>
+              <a:t>09-09-2022</a:t>
             </a:fld>
             <a:endParaRPr lang="en-IN"/>
           </a:p>
@@ -2351,7 +2380,7 @@
           <a:p>
             <a:fld id="{FA8172F9-03B8-457B-A2E7-B715553F6051}" type="datetimeFigureOut">
               <a:rPr lang="en-IN" smtClean="0"/>
-              <a:t>25-07-2022</a:t>
+              <a:t>09-09-2022</a:t>
             </a:fld>
             <a:endParaRPr lang="en-IN"/>
           </a:p>
@@ -2564,7 +2593,7 @@
           <a:p>
             <a:fld id="{FA8172F9-03B8-457B-A2E7-B715553F6051}" type="datetimeFigureOut">
               <a:rPr lang="en-IN" smtClean="0"/>
-              <a:t>25-07-2022</a:t>
+              <a:t>09-09-2022</a:t>
             </a:fld>
             <a:endParaRPr lang="en-IN"/>
           </a:p>
@@ -3355,7 +3384,7 @@
           <p:nvPr>
             <p:extLst>
               <p:ext uri="{D42A27DB-BD31-4B8C-83A1-F6EECF244321}">
-                <p14:modId xmlns:p14="http://schemas.microsoft.com/office/powerpoint/2010/main" val="4215391707"/>
+                <p14:modId xmlns:p14="http://schemas.microsoft.com/office/powerpoint/2010/main" val="3601279577"/>
               </p:ext>
             </p:extLst>
           </p:nvPr>
@@ -3653,7 +3682,7 @@
                           <a:ea typeface="+mn-ea"/>
                           <a:cs typeface="Arial" panose="020B0604020202020204" pitchFamily="34" charset="0"/>
                         </a:rPr>
-                        <a:t>Basic understanding of </a:t>
+                        <a:t>Level 0  </a:t>
                       </a:r>
                       <a:r>
                         <a:rPr lang="en-US" sz="1400" b="1" kern="1200" dirty="0">
@@ -3664,7 +3693,29 @@
                           <a:ea typeface="+mn-ea"/>
                           <a:cs typeface="Arial" panose="020B0604020202020204" pitchFamily="34" charset="0"/>
                         </a:rPr>
-                        <a:t>AWS.</a:t>
+                        <a:t>AWS Certified</a:t>
+                      </a:r>
+                      <a:r>
+                        <a:rPr lang="en-US" sz="1400" b="0" kern="1200" dirty="0">
+                          <a:solidFill>
+                            <a:schemeClr val="tx1"/>
+                          </a:solidFill>
+                          <a:latin typeface="Arial" panose="020B0604020202020204" pitchFamily="34" charset="0"/>
+                          <a:ea typeface="+mn-ea"/>
+                          <a:cs typeface="Arial" panose="020B0604020202020204" pitchFamily="34" charset="0"/>
+                        </a:rPr>
+                        <a:t>[Migration Ambassador  Foundation]</a:t>
+                      </a:r>
+                      <a:r>
+                        <a:rPr lang="en-US" sz="1400" b="1" kern="1200" dirty="0">
+                          <a:solidFill>
+                            <a:schemeClr val="tx1"/>
+                          </a:solidFill>
+                          <a:latin typeface="Arial" panose="020B0604020202020204" pitchFamily="34" charset="0"/>
+                          <a:ea typeface="+mn-ea"/>
+                          <a:cs typeface="Arial" panose="020B0604020202020204" pitchFamily="34" charset="0"/>
+                        </a:rPr>
+                        <a:t>.</a:t>
                       </a:r>
                       <a:r>
                         <a:rPr lang="en-US" sz="1400" kern="1200" dirty="0">
